--- a/documentacion/Insumos.pptx
+++ b/documentacion/Insumos.pptx
@@ -107,6 +107,11 @@
       </a:defRPr>
     </a:lvl9pPr>
   </p:defaultTextStyle>
+  <p:extLst>
+    <p:ext uri="{EFAFB233-063F-42B5-8137-9DF3F51BA10A}">
+      <p15:sldGuideLst xmlns:p15="http://schemas.microsoft.com/office/powerpoint/2012/main"/>
+    </p:ext>
+  </p:extLst>
 </p:presentation>
 </file>
 
@@ -241,7 +246,7 @@
           <a:p>
             <a:fld id="{0A84F85B-90AE-4C10-B285-C734DCFD0CFC}" type="datetimeFigureOut">
               <a:rPr lang="es-CR" smtClean="0"/>
-              <a:t>23/03/2020</a:t>
+              <a:t>24/03/2020</a:t>
             </a:fld>
             <a:endParaRPr lang="es-CR"/>
           </a:p>
@@ -411,7 +416,7 @@
           <a:p>
             <a:fld id="{0A84F85B-90AE-4C10-B285-C734DCFD0CFC}" type="datetimeFigureOut">
               <a:rPr lang="es-CR" smtClean="0"/>
-              <a:t>23/03/2020</a:t>
+              <a:t>24/03/2020</a:t>
             </a:fld>
             <a:endParaRPr lang="es-CR"/>
           </a:p>
@@ -591,7 +596,7 @@
           <a:p>
             <a:fld id="{0A84F85B-90AE-4C10-B285-C734DCFD0CFC}" type="datetimeFigureOut">
               <a:rPr lang="es-CR" smtClean="0"/>
-              <a:t>23/03/2020</a:t>
+              <a:t>24/03/2020</a:t>
             </a:fld>
             <a:endParaRPr lang="es-CR"/>
           </a:p>
@@ -761,7 +766,7 @@
           <a:p>
             <a:fld id="{0A84F85B-90AE-4C10-B285-C734DCFD0CFC}" type="datetimeFigureOut">
               <a:rPr lang="es-CR" smtClean="0"/>
-              <a:t>23/03/2020</a:t>
+              <a:t>24/03/2020</a:t>
             </a:fld>
             <a:endParaRPr lang="es-CR"/>
           </a:p>
@@ -1007,7 +1012,7 @@
           <a:p>
             <a:fld id="{0A84F85B-90AE-4C10-B285-C734DCFD0CFC}" type="datetimeFigureOut">
               <a:rPr lang="es-CR" smtClean="0"/>
-              <a:t>23/03/2020</a:t>
+              <a:t>24/03/2020</a:t>
             </a:fld>
             <a:endParaRPr lang="es-CR"/>
           </a:p>
@@ -1239,7 +1244,7 @@
           <a:p>
             <a:fld id="{0A84F85B-90AE-4C10-B285-C734DCFD0CFC}" type="datetimeFigureOut">
               <a:rPr lang="es-CR" smtClean="0"/>
-              <a:t>23/03/2020</a:t>
+              <a:t>24/03/2020</a:t>
             </a:fld>
             <a:endParaRPr lang="es-CR"/>
           </a:p>
@@ -1606,7 +1611,7 @@
           <a:p>
             <a:fld id="{0A84F85B-90AE-4C10-B285-C734DCFD0CFC}" type="datetimeFigureOut">
               <a:rPr lang="es-CR" smtClean="0"/>
-              <a:t>23/03/2020</a:t>
+              <a:t>24/03/2020</a:t>
             </a:fld>
             <a:endParaRPr lang="es-CR"/>
           </a:p>
@@ -1724,7 +1729,7 @@
           <a:p>
             <a:fld id="{0A84F85B-90AE-4C10-B285-C734DCFD0CFC}" type="datetimeFigureOut">
               <a:rPr lang="es-CR" smtClean="0"/>
-              <a:t>23/03/2020</a:t>
+              <a:t>24/03/2020</a:t>
             </a:fld>
             <a:endParaRPr lang="es-CR"/>
           </a:p>
@@ -1819,7 +1824,7 @@
           <a:p>
             <a:fld id="{0A84F85B-90AE-4C10-B285-C734DCFD0CFC}" type="datetimeFigureOut">
               <a:rPr lang="es-CR" smtClean="0"/>
-              <a:t>23/03/2020</a:t>
+              <a:t>24/03/2020</a:t>
             </a:fld>
             <a:endParaRPr lang="es-CR"/>
           </a:p>
@@ -2096,7 +2101,7 @@
           <a:p>
             <a:fld id="{0A84F85B-90AE-4C10-B285-C734DCFD0CFC}" type="datetimeFigureOut">
               <a:rPr lang="es-CR" smtClean="0"/>
-              <a:t>23/03/2020</a:t>
+              <a:t>24/03/2020</a:t>
             </a:fld>
             <a:endParaRPr lang="es-CR"/>
           </a:p>
@@ -2349,7 +2354,7 @@
           <a:p>
             <a:fld id="{0A84F85B-90AE-4C10-B285-C734DCFD0CFC}" type="datetimeFigureOut">
               <a:rPr lang="es-CR" smtClean="0"/>
-              <a:t>23/03/2020</a:t>
+              <a:t>24/03/2020</a:t>
             </a:fld>
             <a:endParaRPr lang="es-CR"/>
           </a:p>
@@ -2562,7 +2567,7 @@
           <a:p>
             <a:fld id="{0A84F85B-90AE-4C10-B285-C734DCFD0CFC}" type="datetimeFigureOut">
               <a:rPr lang="es-CR" smtClean="0"/>
-              <a:t>23/03/2020</a:t>
+              <a:t>24/03/2020</a:t>
             </a:fld>
             <a:endParaRPr lang="es-CR"/>
           </a:p>
@@ -3114,7 +3119,7 @@
         </p:spPr>
         <p:txBody>
           <a:bodyPr>
-            <a:normAutofit/>
+            <a:normAutofit fontScale="55000" lnSpcReduction="20000"/>
           </a:bodyPr>
           <a:lstStyle/>
           <a:p>
@@ -3160,12 +3165,28 @@
               <a:buNone/>
             </a:pPr>
             <a:r>
+              <a:rPr lang="es-CR" sz="2000" b="1" dirty="0"/>
+              <a:t>- </a:t>
+            </a:r>
+            <a:r>
+              <a:rPr lang="es-CR" sz="2000" b="1" dirty="0" smtClean="0">
+                <a:solidFill>
+                  <a:srgbClr val="FF0000"/>
+                </a:solidFill>
+              </a:rPr>
+              <a:t>Aprendo en casa </a:t>
+            </a:r>
+            <a:r>
               <a:rPr lang="es-CR" sz="1800" b="1" dirty="0"/>
-              <a:t>- </a:t>
-            </a:r>
-            <a:r>
-              <a:rPr lang="es-CR" sz="1800" b="1" dirty="0" smtClean="0"/>
-              <a:t>Caja de Herramienta canal 13. </a:t>
+              <a:t>canal 13</a:t>
+            </a:r>
+            <a:r>
+              <a:rPr lang="es-CR" sz="1800" b="1" dirty="0" smtClean="0">
+                <a:solidFill>
+                  <a:srgbClr val="FF0000"/>
+                </a:solidFill>
+              </a:rPr>
+              <a:t>. </a:t>
             </a:r>
             <a:r>
               <a:rPr lang="es-CR" sz="1800" b="1" dirty="0"/>
@@ -3180,29 +3201,43 @@
             <a:endParaRPr lang="es-CR" sz="1400" b="1" dirty="0" smtClean="0"/>
           </a:p>
           <a:p>
+            <a:pPr fontAlgn="base"/>
+            <a:r>
+              <a:rPr lang="es-CR" b="1" dirty="0">
+                <a:solidFill>
+                  <a:srgbClr val="FF0000"/>
+                </a:solidFill>
+              </a:rPr>
+              <a:t>L-M-V 10-11 a.m. Videoconferencias</a:t>
+            </a:r>
+          </a:p>
+          <a:p>
+            <a:pPr fontAlgn="base"/>
+            <a:r>
+              <a:rPr lang="es-CR" b="1" dirty="0">
+                <a:solidFill>
+                  <a:srgbClr val="FF0000"/>
+                </a:solidFill>
+              </a:rPr>
+              <a:t>L-M-V 11-11:30 a.m. Estrategias Integrales Aprendo en Casa (Repetición Sección de Café Nacional)</a:t>
+            </a:r>
+          </a:p>
+          <a:p>
+            <a:pPr fontAlgn="base"/>
+            <a:r>
+              <a:rPr lang="es-CR" b="1" dirty="0">
+                <a:solidFill>
+                  <a:srgbClr val="FF0000"/>
+                </a:solidFill>
+              </a:rPr>
+              <a:t>K-J 10 a.m. -12 p.m. Érase una Vez</a:t>
+            </a:r>
+          </a:p>
+          <a:p>
             <a:pPr marL="0" indent="0">
               <a:buNone/>
             </a:pPr>
-            <a:r>
-              <a:rPr lang="es-CR" sz="1800" dirty="0" smtClean="0"/>
-              <a:t>Horario 3:00 </a:t>
-            </a:r>
-            <a:r>
-              <a:rPr lang="es-CR" sz="1800" dirty="0"/>
-              <a:t>p</a:t>
-            </a:r>
-            <a:r>
-              <a:rPr lang="es-CR" sz="1800" dirty="0" smtClean="0"/>
-              <a:t>.m. a 4:00  </a:t>
-            </a:r>
-            <a:r>
-              <a:rPr lang="es-CR" sz="1800" dirty="0" smtClean="0"/>
-              <a:t>p</a:t>
-            </a:r>
-            <a:r>
-              <a:rPr lang="es-CR" sz="1800" dirty="0" smtClean="0"/>
-              <a:t>.m.  / Lunes, Miércoles y Viernes. A partir del miércoles 25 de marzo</a:t>
-            </a:r>
+            <a:endParaRPr lang="es-CR" sz="1800" dirty="0" smtClean="0"/>
           </a:p>
           <a:p>
             <a:pPr marL="0" indent="0">
@@ -3272,7 +3307,19 @@
                   </a:outerShdw>
                 </a:effectLst>
               </a:rPr>
-              <a:t>Oferta televisiva</a:t>
+              <a:t>Oferta </a:t>
+            </a:r>
+            <a:r>
+              <a:rPr lang="es-CR" u="sng" dirty="0" smtClean="0">
+                <a:effectLst>
+                  <a:outerShdw blurRad="38100" dist="38100" dir="2700000" algn="tl">
+                    <a:srgbClr val="000000">
+                      <a:alpha val="43137"/>
+                    </a:srgbClr>
+                  </a:outerShdw>
+                </a:effectLst>
+              </a:rPr>
+              <a:t>televisiva 2-1</a:t>
             </a:r>
             <a:endParaRPr lang="es-CR" u="sng" dirty="0">
               <a:effectLst>
@@ -3740,61 +3787,91 @@
             </a:pPr>
             <a:r>
               <a:rPr lang="es-CR" sz="1800" dirty="0" smtClean="0"/>
-              <a:t>Horario 10:00 a.m. a 11:00  a.m. / Lunes a Viernes. A partir del miércoles 25 de marzo</a:t>
-            </a:r>
-            <a:endParaRPr lang="es-CR" sz="1800" dirty="0" smtClean="0"/>
+              <a:t>Horario </a:t>
+            </a:r>
+            <a:r>
+              <a:rPr lang="es-CR" sz="1800" b="1" dirty="0">
+                <a:solidFill>
+                  <a:srgbClr val="FF0000"/>
+                </a:solidFill>
+              </a:rPr>
+              <a:t>3</a:t>
+            </a:r>
+            <a:r>
+              <a:rPr lang="es-CR" sz="1800" b="1" dirty="0" smtClean="0">
+                <a:solidFill>
+                  <a:srgbClr val="FF0000"/>
+                </a:solidFill>
+              </a:rPr>
+              <a:t>:00 </a:t>
+            </a:r>
+            <a:r>
+              <a:rPr lang="es-CR" sz="1800" b="1" dirty="0" smtClean="0">
+                <a:solidFill>
+                  <a:srgbClr val="FF0000"/>
+                </a:solidFill>
+              </a:rPr>
+              <a:t>a.m. a </a:t>
+            </a:r>
+            <a:r>
+              <a:rPr lang="es-CR" sz="1800" b="1" dirty="0">
+                <a:solidFill>
+                  <a:srgbClr val="FF0000"/>
+                </a:solidFill>
+              </a:rPr>
+              <a:t>4</a:t>
+            </a:r>
+            <a:r>
+              <a:rPr lang="es-CR" sz="1800" b="1" dirty="0" smtClean="0">
+                <a:solidFill>
+                  <a:srgbClr val="FF0000"/>
+                </a:solidFill>
+              </a:rPr>
+              <a:t>:00 </a:t>
+            </a:r>
+            <a:r>
+              <a:rPr lang="es-CR" sz="1800" dirty="0" smtClean="0"/>
+              <a:t> a.m. / Lunes a Viernes. A partir del miércoles 25 de marzo</a:t>
+            </a:r>
           </a:p>
           <a:p>
             <a:pPr marL="0" indent="0">
               <a:buNone/>
             </a:pPr>
             <a:r>
-              <a:rPr lang="es-CR" sz="1800" b="1" dirty="0"/>
-              <a:t>-</a:t>
-            </a:r>
-            <a:r>
-              <a:rPr lang="es-CR" sz="1800" b="1" dirty="0" smtClean="0"/>
-              <a:t>Aprendo en casa/Érase una vez. </a:t>
-            </a:r>
-            <a:r>
-              <a:rPr lang="es-CR" sz="1800" b="1" dirty="0" smtClean="0"/>
-              <a:t> </a:t>
-            </a:r>
-            <a:r>
-              <a:rPr lang="es-CR" sz="1800" b="1" dirty="0"/>
-              <a:t>    </a:t>
-            </a:r>
-            <a:r>
-              <a:rPr lang="es-CR" sz="1800" u="sng" dirty="0" smtClean="0">
+              <a:rPr lang="es-CR" sz="1800" b="1" strike="sngStrike" dirty="0" smtClean="0">
+                <a:solidFill>
+                  <a:srgbClr val="FF0000"/>
+                </a:solidFill>
+              </a:rPr>
+              <a:t>-Aprendo en casa/Érase una vez.      </a:t>
+            </a:r>
+            <a:r>
+              <a:rPr lang="es-CR" sz="1800" u="sng" strike="sngStrike" dirty="0" smtClean="0">
+                <a:solidFill>
+                  <a:srgbClr val="FF0000"/>
+                </a:solidFill>
                 <a:hlinkClick r:id="rId3"/>
               </a:rPr>
               <a:t> https://es-la.facebook.com/VidaEstudiantil.MEP/ </a:t>
             </a:r>
-            <a:endParaRPr lang="es-CR" sz="1800" u="sng" dirty="0" smtClean="0"/>
+            <a:endParaRPr lang="es-CR" sz="1800" u="sng" strike="sngStrike" dirty="0" smtClean="0">
+              <a:solidFill>
+                <a:srgbClr val="FF0000"/>
+              </a:solidFill>
+            </a:endParaRPr>
           </a:p>
           <a:p>
             <a:pPr marL="0" indent="0">
               <a:buNone/>
             </a:pPr>
             <a:r>
-              <a:rPr lang="es-CR" sz="1800" dirty="0" smtClean="0"/>
-              <a:t>Horario 3:00 </a:t>
-            </a:r>
-            <a:r>
-              <a:rPr lang="es-CR" sz="1800" dirty="0"/>
-              <a:t>p</a:t>
-            </a:r>
-            <a:r>
-              <a:rPr lang="es-CR" sz="1800" dirty="0" smtClean="0"/>
-              <a:t>.m. a 5:00  </a:t>
-            </a:r>
-            <a:r>
-              <a:rPr lang="es-CR" sz="1800" dirty="0" smtClean="0"/>
-              <a:t>p</a:t>
-            </a:r>
-            <a:r>
-              <a:rPr lang="es-CR" sz="1800" dirty="0" smtClean="0"/>
-              <a:t>.m.  / Martes y Jueves. A partir del miércoles 25 de marzo</a:t>
+              <a:rPr lang="es-CR" sz="1800" strike="sngStrike" dirty="0" smtClean="0">
+                <a:solidFill>
+                  <a:srgbClr val="FF0000"/>
+                </a:solidFill>
+              </a:rPr>
+              <a:t>Horario 3:00 p.m. a 5:00  p.m.  / Martes y Jueves. A partir del miércoles 25 de marzo</a:t>
             </a:r>
           </a:p>
           <a:p>
@@ -3865,7 +3942,19 @@
                   </a:outerShdw>
                 </a:effectLst>
               </a:rPr>
-              <a:t>Oferta televisiva</a:t>
+              <a:t>Oferta </a:t>
+            </a:r>
+            <a:r>
+              <a:rPr lang="es-CR" b="1" u="sng" dirty="0" smtClean="0">
+                <a:effectLst>
+                  <a:outerShdw blurRad="38100" dist="38100" dir="2700000" algn="tl">
+                    <a:srgbClr val="000000">
+                      <a:alpha val="43137"/>
+                    </a:srgbClr>
+                  </a:outerShdw>
+                </a:effectLst>
+              </a:rPr>
+              <a:t>televisiva 1 1</a:t>
             </a:r>
             <a:endParaRPr lang="es-CR" b="1" u="sng" dirty="0">
               <a:effectLst>
@@ -4251,7 +4340,7 @@
         </p:spPr>
         <p:txBody>
           <a:bodyPr>
-            <a:normAutofit fontScale="85000" lnSpcReduction="20000"/>
+            <a:normAutofit fontScale="92500" lnSpcReduction="20000"/>
           </a:bodyPr>
           <a:lstStyle/>
           <a:p>
@@ -4288,7 +4377,43 @@
             </a:pPr>
             <a:r>
               <a:rPr lang="es-CR" sz="1800" dirty="0" smtClean="0"/>
-              <a:t>Horario 8:00 a.m. a 10:00  a.m. / Lunes a Viernes. </a:t>
+              <a:t>Horario </a:t>
+            </a:r>
+            <a:r>
+              <a:rPr lang="es-CR" sz="1800" b="1" dirty="0" smtClean="0">
+                <a:solidFill>
+                  <a:srgbClr val="FF0000"/>
+                </a:solidFill>
+              </a:rPr>
+              <a:t>8:10 </a:t>
+            </a:r>
+            <a:r>
+              <a:rPr lang="es-CR" sz="1800" b="1" dirty="0" smtClean="0">
+                <a:solidFill>
+                  <a:srgbClr val="FF0000"/>
+                </a:solidFill>
+              </a:rPr>
+              <a:t>a.m. a </a:t>
+            </a:r>
+            <a:r>
+              <a:rPr lang="es-CR" sz="1800" b="1" dirty="0" smtClean="0">
+                <a:solidFill>
+                  <a:srgbClr val="FF0000"/>
+                </a:solidFill>
+              </a:rPr>
+              <a:t>8</a:t>
+            </a:r>
+            <a:r>
+              <a:rPr lang="es-CR" sz="1800" b="1" dirty="0" smtClean="0">
+                <a:solidFill>
+                  <a:srgbClr val="FF0000"/>
+                </a:solidFill>
+              </a:rPr>
+              <a:t>:45 </a:t>
+            </a:r>
+            <a:r>
+              <a:rPr lang="es-CR" sz="1800" dirty="0" smtClean="0"/>
+              <a:t> a.m. / Lunes a Viernes. </a:t>
             </a:r>
           </a:p>
           <a:p>
@@ -4302,37 +4427,77 @@
               <a:buNone/>
             </a:pPr>
             <a:r>
-              <a:rPr lang="es-CR" sz="1800" b="1" dirty="0" smtClean="0"/>
-              <a:t>-Aprendo en casa/Érase una vez.      </a:t>
-            </a:r>
-            <a:r>
-              <a:rPr lang="es-CR" sz="2400" u="sng" dirty="0">
+              <a:rPr lang="es-CR" sz="1800" b="1" dirty="0">
+                <a:solidFill>
+                  <a:srgbClr val="FF0000"/>
+                </a:solidFill>
+              </a:rPr>
+              <a:t>-Aprendo en casa. </a:t>
+            </a:r>
+            <a:r>
+              <a:rPr lang="es-CR" sz="1400" b="1" dirty="0">
+                <a:solidFill>
+                  <a:srgbClr val="FF0000"/>
+                </a:solidFill>
+              </a:rPr>
+              <a:t>   </a:t>
+            </a:r>
+            <a:r>
+              <a:rPr lang="es-CR" sz="1400" dirty="0">
+                <a:solidFill>
+                  <a:srgbClr val="FF0000"/>
+                </a:solidFill>
+              </a:rPr>
+              <a:t>   </a:t>
+            </a:r>
+            <a:r>
+              <a:rPr lang="es-CR" sz="1400" u="sng" dirty="0">
+                <a:solidFill>
+                  <a:srgbClr val="FF0000"/>
+                </a:solidFill>
                 <a:hlinkClick r:id="rId3"/>
               </a:rPr>
-              <a:t>https://es-la.facebook.com/VidaEstudiantil.MEP</a:t>
-            </a:r>
-            <a:r>
-              <a:rPr lang="es-CR" sz="2400" u="sng" dirty="0" smtClean="0">
-                <a:hlinkClick r:id="rId3"/>
+              <a:t>http://costaricamedios.cr/en-vivo/</a:t>
+            </a:r>
+            <a:endParaRPr lang="es-CR" sz="1050" b="1" dirty="0">
+              <a:solidFill>
+                <a:srgbClr val="FF0000"/>
+              </a:solidFill>
+            </a:endParaRPr>
+          </a:p>
+          <a:p>
+            <a:pPr marL="0" indent="0">
+              <a:buNone/>
+            </a:pPr>
+            <a:r>
+              <a:rPr lang="es-CR" sz="1800" dirty="0">
+                <a:solidFill>
+                  <a:srgbClr val="FF0000"/>
+                </a:solidFill>
               </a:rPr>
-              <a:t>/</a:t>
-            </a:r>
-            <a:endParaRPr lang="es-CR" u="sng" dirty="0" smtClean="0"/>
-          </a:p>
-          <a:p>
-            <a:pPr marL="0" indent="0">
-              <a:buNone/>
-            </a:pPr>
-            <a:r>
-              <a:rPr lang="es-CR" sz="1800" dirty="0" smtClean="0"/>
-              <a:t>Horario 3:00 p.m. a 5:00  p.m.  / Martes y Jueves. A partir del miércoles 25 de marzo</a:t>
-            </a:r>
-          </a:p>
-          <a:p>
-            <a:pPr marL="0" indent="0">
-              <a:buNone/>
-            </a:pPr>
-            <a:endParaRPr lang="es-CR" sz="1800" dirty="0"/>
+              <a:t>Horario </a:t>
+            </a:r>
+            <a:r>
+              <a:rPr lang="es-CR" sz="1800" b="1" dirty="0">
+                <a:solidFill>
+                  <a:srgbClr val="FF0000"/>
+                </a:solidFill>
+              </a:rPr>
+              <a:t>3:00 a.m. a 4:00 </a:t>
+            </a:r>
+            <a:r>
+              <a:rPr lang="es-CR" sz="1800" dirty="0">
+                <a:solidFill>
+                  <a:srgbClr val="FF0000"/>
+                </a:solidFill>
+              </a:rPr>
+              <a:t> a.m. / Lunes a Viernes. A partir del miércoles 25 de marzo</a:t>
+            </a:r>
+            <a:endParaRPr lang="es-CR" sz="1800" dirty="0">
+              <a:solidFill>
+                <a:srgbClr val="FF0000"/>
+              </a:solidFill>
+            </a:endParaRPr>
           </a:p>
           <a:p>
             <a:endParaRPr lang="es-CR" sz="1800" dirty="0"/>
